--- a/courses/cse518a/student-Nov8.pptx
+++ b/courses/cse518a/student-Nov8.pptx
@@ -2776,7 +2776,7 @@
         </p:nvSpPr>
         <p:spPr>
           <a:xfrm>
-            <a:off x="381300" y="685800"/>
+            <a:off x="381000" y="685800"/>
             <a:ext cx="6096000" cy="3429000"/>
           </a:xfrm>
           <a:custGeom>
@@ -2840,45 +2840,7 @@
               <a:buSzPts val="1100"/>
               <a:buChar char="-"/>
             </a:pPr>
-            <a:r>
-              <a:rPr lang="en"/>
-              <a:t>Specifically only less than 3% of the surveyed users reported using a property outside of the list in arriving in their judgements. Also each property was used by atleast 15% of the users during their fairness judgements</a:t>
-            </a:r>
-            <a:endParaRPr/>
-          </a:p>
-          <a:p>
-            <a:pPr marL="457200" lvl="0" indent="-298450" algn="l" rtl="0">
-              <a:spcBef>
-                <a:spcPts val="0"/>
-              </a:spcBef>
-              <a:spcAft>
-                <a:spcPts val="0"/>
-              </a:spcAft>
-              <a:buSzPts val="1100"/>
-              <a:buChar char="-"/>
-            </a:pPr>
-            <a:r>
-              <a:rPr lang="en"/>
-              <a:t>They found that the eight properties are not only sufficient to make predictions with high accuracy, but six of the eight are also statistically significant (or necessary) for predicting the fairness judgement</a:t>
-            </a:r>
-            <a:endParaRPr/>
-          </a:p>
-          <a:p>
-            <a:pPr marL="457200" lvl="0" indent="-298450" algn="l" rtl="0">
-              <a:spcBef>
-                <a:spcPts val="0"/>
-              </a:spcBef>
-              <a:spcAft>
-                <a:spcPts val="0"/>
-              </a:spcAft>
-              <a:buSzPts val="1100"/>
-              <a:buChar char="-"/>
-            </a:pPr>
-            <a:r>
-              <a:rPr lang="en"/>
-              <a:t>As a matter of fact, the two properties that were not deemed to be statistically significant were Causing Disparity in Outcomes and Caused by Sensitive Group Membership which are both features with a potential to cause discrimination</a:t>
-            </a:r>
-            <a:endParaRPr/>
+            <a:endParaRPr dirty="0"/>
           </a:p>
         </p:txBody>
       </p:sp>
@@ -3856,7 +3818,7 @@
         </p:nvSpPr>
         <p:spPr>
           <a:xfrm>
-            <a:off x="381300" y="685800"/>
+            <a:off x="381000" y="685800"/>
             <a:ext cx="6096000" cy="3429000"/>
           </a:xfrm>
           <a:custGeom>
@@ -3923,111 +3885,7 @@
               <a:buSzPts val="1100"/>
               <a:buAutoNum type="arabicPeriod"/>
             </a:pPr>
-            <a:r>
-              <a:rPr lang="en"/>
-              <a:t>There is not really a thought process surrounding..” Should we ingest this data in? ..If it is available to us, we ingest in. 79% indicated that tools to facilitate communication between model developers and data collectors would be very or extremely useful.; Fairness aware test-set design.</a:t>
-            </a:r>
-            <a:endParaRPr/>
-          </a:p>
-          <a:p>
-            <a:pPr marL="457200" lvl="0" indent="-298450" algn="l" rtl="0">
-              <a:lnSpc>
-                <a:spcPct val="115000"/>
-              </a:lnSpc>
-              <a:spcBef>
-                <a:spcPts val="0"/>
-              </a:spcBef>
-              <a:spcAft>
-                <a:spcPts val="0"/>
-              </a:spcAft>
-              <a:buSzPts val="1100"/>
-              <a:buAutoNum type="arabicPeriod"/>
-            </a:pPr>
-            <a:r>
-              <a:rPr lang="en"/>
-              <a:t>How do you know the unknowns that you’re being unfair towards. You just have to put your model out there and then you’ll know if there’s fairness issues if someone raises hell online. No one person in team has expertise in all types of bias</a:t>
-            </a:r>
-            <a:endParaRPr/>
-          </a:p>
-          <a:p>
-            <a:pPr marL="457200" lvl="0" indent="-298450" algn="l" rtl="0">
-              <a:lnSpc>
-                <a:spcPct val="115000"/>
-              </a:lnSpc>
-              <a:spcBef>
-                <a:spcPts val="0"/>
-              </a:spcBef>
-              <a:spcAft>
-                <a:spcPts val="0"/>
-              </a:spcAft>
-              <a:buSzPts val="1100"/>
-              <a:buAutoNum type="arabicPeriod"/>
-            </a:pPr>
-            <a:r>
-              <a:rPr lang="en"/>
-              <a:t>Current fairness auditing processes are reactive with efforts tightly focused around specific customer complaints in contrast to their teams’ proactive approaches for detecting potential security tasks. Also need for domain-specific auditing processes.</a:t>
-            </a:r>
-            <a:endParaRPr/>
-          </a:p>
-          <a:p>
-            <a:pPr marL="457200" lvl="0" indent="-298450" algn="l" rtl="0">
-              <a:lnSpc>
-                <a:spcPct val="115000"/>
-              </a:lnSpc>
-              <a:spcBef>
-                <a:spcPts val="0"/>
-              </a:spcBef>
-              <a:spcAft>
-                <a:spcPts val="0"/>
-              </a:spcAft>
-              <a:buSzPts val="1100"/>
-              <a:buAutoNum type="arabicPeriod"/>
-            </a:pPr>
-            <a:r>
-              <a:rPr lang="en"/>
-              <a:t>applications involving richer, complex interactions between the user and the system—such as chatbots, automated writing evaluation, adaptive tutoring and mentoring, and web search—brought up needs for more holistic, system-level auditing methods.</a:t>
-            </a:r>
-            <a:endParaRPr/>
-          </a:p>
-          <a:p>
-            <a:pPr marL="457200" lvl="0" indent="-298450" algn="l" rtl="0">
-              <a:lnSpc>
-                <a:spcPct val="115000"/>
-              </a:lnSpc>
-              <a:spcBef>
-                <a:spcPts val="0"/>
-              </a:spcBef>
-              <a:spcAft>
-                <a:spcPts val="0"/>
-              </a:spcAft>
-              <a:buSzPts val="1100"/>
-              <a:buAutoNum type="arabicPeriod"/>
-            </a:pPr>
-            <a:r>
-              <a:rPr lang="en"/>
-              <a:t>Fairness of fairness interventions: How to handle the situations.</a:t>
-            </a:r>
-            <a:endParaRPr/>
-          </a:p>
-          <a:p>
-            <a:pPr marL="457200" lvl="0" indent="-298450" algn="l" rtl="0">
-              <a:lnSpc>
-                <a:spcPct val="115000"/>
-              </a:lnSpc>
-              <a:spcBef>
-                <a:spcPts val="0"/>
-              </a:spcBef>
-              <a:spcAft>
-                <a:spcPts val="0"/>
-              </a:spcAft>
-              <a:buSzPts val="1100"/>
-              <a:buAutoNum type="arabicPeriod"/>
-            </a:pPr>
-            <a:r>
-              <a:rPr lang="en"/>
-              <a:t>Biases prevalent in the humans in the loop of ML pipeline, maybe crowdworker, ML designer, etc.</a:t>
-            </a:r>
-            <a:endParaRPr/>
+            <a:endParaRPr dirty="0"/>
           </a:p>
         </p:txBody>
       </p:sp>
@@ -4068,7 +3926,7 @@
         </p:nvSpPr>
         <p:spPr>
           <a:xfrm>
-            <a:off x="381300" y="685800"/>
+            <a:off x="381000" y="685800"/>
             <a:ext cx="6096000" cy="3429000"/>
           </a:xfrm>
           <a:custGeom>
@@ -4122,6 +3980,21 @@
           </a:bodyPr>
           <a:lstStyle/>
           <a:p>
+            <a:pPr marL="0" lvl="0" indent="0" algn="l" rtl="0">
+              <a:lnSpc>
+                <a:spcPct val="115000"/>
+              </a:lnSpc>
+              <a:spcBef>
+                <a:spcPts val="0"/>
+              </a:spcBef>
+              <a:spcAft>
+                <a:spcPts val="0"/>
+              </a:spcAft>
+              <a:buNone/>
+            </a:pPr>
+            <a:endParaRPr dirty="0"/>
+          </a:p>
+          <a:p>
             <a:pPr marL="457200" lvl="0" indent="0" algn="l" rtl="0">
               <a:lnSpc>
                 <a:spcPct val="115000"/>
@@ -4134,19 +4007,7 @@
               </a:spcAft>
               <a:buNone/>
             </a:pPr>
-            <a:r>
-              <a:rPr lang="en">
-                <a:solidFill>
-                  <a:schemeClr val="dk1"/>
-                </a:solidFill>
-              </a:rPr>
-              <a:t>There is not really a thought process surrounding..” Should we ingest this data in? ..If it is available to us, we ingest in. 79% indicated that tools to facilitate communication between model developers and data collectors would be very or extremely useful.; Fairness aware test-set design.</a:t>
-            </a:r>
-            <a:endParaRPr>
-              <a:solidFill>
-                <a:schemeClr val="dk1"/>
-              </a:solidFill>
-            </a:endParaRPr>
+            <a:endParaRPr dirty="0"/>
           </a:p>
           <a:p>
             <a:pPr marL="0" lvl="0" indent="0" algn="l" rtl="0">
@@ -4161,56 +4022,7 @@
               </a:spcAft>
               <a:buNone/>
             </a:pPr>
-            <a:endParaRPr/>
-          </a:p>
-          <a:p>
-            <a:pPr marL="457200" lvl="0" indent="0" algn="l" rtl="0">
-              <a:lnSpc>
-                <a:spcPct val="115000"/>
-              </a:lnSpc>
-              <a:spcBef>
-                <a:spcPts val="0"/>
-              </a:spcBef>
-              <a:spcAft>
-                <a:spcPts val="0"/>
-              </a:spcAft>
-              <a:buNone/>
-            </a:pPr>
-            <a:endParaRPr/>
-          </a:p>
-          <a:p>
-            <a:pPr marL="457200" lvl="0" indent="0" algn="l" rtl="0">
-              <a:lnSpc>
-                <a:spcPct val="115000"/>
-              </a:lnSpc>
-              <a:spcBef>
-                <a:spcPts val="0"/>
-              </a:spcBef>
-              <a:spcAft>
-                <a:spcPts val="0"/>
-              </a:spcAft>
-              <a:buNone/>
-            </a:pPr>
-            <a:r>
-              <a:rPr lang="en"/>
-              <a:t>How do you know the unknowns that you’re being unfair towards. You just have to put your model out there and then you’ll know if there’s fairness issues if someone raises hell online. No one person in team has expertise in all types of bias</a:t>
-            </a:r>
-            <a:endParaRPr/>
-          </a:p>
-          <a:p>
-            <a:pPr marL="0" lvl="0" indent="0" algn="l" rtl="0">
-              <a:lnSpc>
-                <a:spcPct val="115000"/>
-              </a:lnSpc>
-              <a:spcBef>
-                <a:spcPts val="0"/>
-              </a:spcBef>
-              <a:spcAft>
-                <a:spcPts val="0"/>
-              </a:spcAft>
-              <a:buNone/>
-            </a:pPr>
-            <a:endParaRPr/>
+            <a:endParaRPr dirty="0"/>
           </a:p>
         </p:txBody>
       </p:sp>
@@ -4251,7 +4063,7 @@
         </p:nvSpPr>
         <p:spPr>
           <a:xfrm>
-            <a:off x="381300" y="685800"/>
+            <a:off x="381000" y="685800"/>
             <a:ext cx="6096000" cy="3429000"/>
           </a:xfrm>
           <a:custGeom>
@@ -4317,47 +4129,7 @@
               </a:spcAft>
               <a:buNone/>
             </a:pPr>
-            <a:endParaRPr/>
-          </a:p>
-          <a:p>
-            <a:pPr marL="457200" lvl="0" indent="-298450" algn="l" rtl="0">
-              <a:lnSpc>
-                <a:spcPct val="115000"/>
-              </a:lnSpc>
-              <a:spcBef>
-                <a:spcPts val="0"/>
-              </a:spcBef>
-              <a:spcAft>
-                <a:spcPts val="0"/>
-              </a:spcAft>
-              <a:buSzPts val="1100"/>
-              <a:buAutoNum type="arabicPeriod"/>
-            </a:pPr>
-            <a:r>
-              <a:rPr lang="en"/>
-              <a:t>Current fairness auditing processes are reactive with efforts tightly focused around specific customer complaints in contrast to their teams’ proactive approaches for detecting potential security tasks. Also need for domain-specific auditing processes.</a:t>
-            </a:r>
-            <a:endParaRPr/>
-          </a:p>
-          <a:p>
-            <a:pPr marL="457200" lvl="0" indent="-298450" algn="l" rtl="0">
-              <a:lnSpc>
-                <a:spcPct val="115000"/>
-              </a:lnSpc>
-              <a:spcBef>
-                <a:spcPts val="0"/>
-              </a:spcBef>
-              <a:spcAft>
-                <a:spcPts val="0"/>
-              </a:spcAft>
-              <a:buSzPts val="1100"/>
-              <a:buAutoNum type="arabicPeriod"/>
-            </a:pPr>
-            <a:r>
-              <a:rPr lang="en"/>
-              <a:t>applications involving richer, complex interactions between the user and the system—such as chatbots, automated writing evaluation, adaptive tutoring and mentoring, and web search—brought up needs for more holistic, system-level auditing methods.</a:t>
-            </a:r>
-            <a:endParaRPr/>
+            <a:endParaRPr dirty="0"/>
           </a:p>
           <a:p>
             <a:pPr marL="457200" lvl="0" indent="0" algn="l" rtl="0">
@@ -4372,7 +4144,7 @@
               </a:spcAft>
               <a:buNone/>
             </a:pPr>
-            <a:endParaRPr/>
+            <a:endParaRPr dirty="0"/>
           </a:p>
         </p:txBody>
       </p:sp>
@@ -12500,7 +12272,7 @@
         </p:spPr>
         <p:txBody>
           <a:bodyPr spcFirstLastPara="1" wrap="square" lIns="91425" tIns="91425" rIns="91425" bIns="91425" anchor="t" anchorCtr="0">
-            <a:normAutofit lnSpcReduction="10000"/>
+            <a:normAutofit/>
           </a:bodyPr>
           <a:lstStyle/>
           <a:p>
@@ -12515,10 +12287,10 @@
               <a:buAutoNum type="arabicParenR"/>
             </a:pPr>
             <a:r>
-              <a:rPr lang="en"/>
-              <a:t>One of the questions in COMPAS is “Do you think that a hungry person has a right to steal?”. Based on the Reliability property, do you think this is a question to use? Justify.</a:t>
+              <a:rPr lang="en" dirty="0"/>
+              <a:t>One of the questions in COMPAS is “Do you think that a hungry person has a right to steal?”. Based on the Reliability property, do you think this is a fair question to use? Justify.</a:t>
             </a:r>
-            <a:endParaRPr/>
+            <a:endParaRPr dirty="0"/>
           </a:p>
           <a:p>
             <a:pPr marL="457200" lvl="0" indent="-342900" algn="l" rtl="0">
@@ -12532,10 +12304,10 @@
               <a:buAutoNum type="arabicParenR"/>
             </a:pPr>
             <a:r>
-              <a:rPr lang="en"/>
+              <a:rPr lang="en" dirty="0"/>
               <a:t>Another question in COMPAS is “Did you use heroin, cocaine, crack, or meth as a juvenile?”. Based on the Privacy property, do you think this is a fair question to use? Would your fairness decision change if the question was asking about a more aggressive crime like arson, armed robbery, or assault instead of drug abuse?</a:t>
             </a:r>
-            <a:endParaRPr/>
+            <a:endParaRPr dirty="0"/>
           </a:p>
           <a:p>
             <a:pPr marL="457200" lvl="0" indent="0" algn="l" rtl="0">
@@ -12547,7 +12319,7 @@
               </a:spcAft>
               <a:buNone/>
             </a:pPr>
-            <a:endParaRPr/>
+            <a:endParaRPr dirty="0"/>
           </a:p>
           <a:p>
             <a:pPr marL="457200" lvl="0" indent="0" algn="l" rtl="0">
@@ -12559,7 +12331,7 @@
               </a:spcAft>
               <a:buNone/>
             </a:pPr>
-            <a:endParaRPr/>
+            <a:endParaRPr dirty="0"/>
           </a:p>
         </p:txBody>
       </p:sp>
@@ -13403,10 +13175,10 @@
               <a:buNone/>
             </a:pPr>
             <a:r>
-              <a:rPr lang="en" sz="1424"/>
+              <a:rPr lang="en" sz="1424" dirty="0"/>
               <a:t>Justify if the given features are fair or unfair to use to determine if someone qualifies for bail. Why did you make the decision (doesn’t necessarily need to be from one of the 8 latent features)? </a:t>
             </a:r>
-            <a:endParaRPr sz="1424"/>
+            <a:endParaRPr sz="1424" dirty="0"/>
           </a:p>
           <a:p>
             <a:pPr marL="0" lvl="0" indent="0" algn="l" rtl="0">
@@ -13418,7 +13190,7 @@
               </a:spcAft>
               <a:buNone/>
             </a:pPr>
-            <a:endParaRPr/>
+            <a:endParaRPr dirty="0"/>
           </a:p>
           <a:p>
             <a:pPr marL="0" lvl="0" indent="0" algn="l" rtl="0">
@@ -13430,7 +13202,7 @@
               </a:spcAft>
               <a:buNone/>
             </a:pPr>
-            <a:endParaRPr>
+            <a:endParaRPr dirty="0">
               <a:solidFill>
                 <a:schemeClr val="dk1"/>
               </a:solidFill>
@@ -13446,7 +13218,7 @@
               </a:spcAft>
               <a:buNone/>
             </a:pPr>
-            <a:endParaRPr>
+            <a:endParaRPr dirty="0">
               <a:solidFill>
                 <a:schemeClr val="dk1"/>
               </a:solidFill>
@@ -13462,7 +13234,7 @@
               </a:spcAft>
               <a:buNone/>
             </a:pPr>
-            <a:endParaRPr>
+            <a:endParaRPr dirty="0">
               <a:solidFill>
                 <a:schemeClr val="dk1"/>
               </a:solidFill>
@@ -13478,7 +13250,7 @@
               </a:spcAft>
               <a:buNone/>
             </a:pPr>
-            <a:endParaRPr>
+            <a:endParaRPr dirty="0">
               <a:solidFill>
                 <a:schemeClr val="dk1"/>
               </a:solidFill>
@@ -13494,7 +13266,7 @@
               </a:spcAft>
               <a:buNone/>
             </a:pPr>
-            <a:endParaRPr>
+            <a:endParaRPr dirty="0">
               <a:solidFill>
                 <a:schemeClr val="dk1"/>
               </a:solidFill>
@@ -13510,7 +13282,7 @@
               </a:spcAft>
               <a:buNone/>
             </a:pPr>
-            <a:endParaRPr>
+            <a:endParaRPr dirty="0">
               <a:solidFill>
                 <a:schemeClr val="dk1"/>
               </a:solidFill>
@@ -13532,14 +13304,30 @@
               <a:buNone/>
             </a:pPr>
             <a:r>
-              <a:rPr lang="en" sz="1424">
+              <a:rPr lang="en" sz="1424" dirty="0">
                 <a:solidFill>
                   <a:schemeClr val="dk1"/>
                 </a:solidFill>
               </a:rPr>
-              <a:t>Reliability | Relevance | Privacy | Volitionality | Causes Outcome | Causes Vicious Cycle | Causes Disparity in Outcomes | Caused by Sensitive Group Membership</a:t>
+              <a:t>Reliability | Relevance | Privacy | </a:t>
             </a:r>
-            <a:endParaRPr sz="1424"/>
+            <a:r>
+              <a:rPr lang="en" sz="1424" dirty="0" err="1">
+                <a:solidFill>
+                  <a:schemeClr val="dk1"/>
+                </a:solidFill>
+              </a:rPr>
+              <a:t>Volitionality</a:t>
+            </a:r>
+            <a:r>
+              <a:rPr lang="en" sz="1424" dirty="0">
+                <a:solidFill>
+                  <a:schemeClr val="dk1"/>
+                </a:solidFill>
+              </a:rPr>
+              <a:t> | Causes Outcome | Causes Vicious Cycle | Causes Disparity in Outcomes | Caused by Sensitive Group Membership</a:t>
+            </a:r>
+            <a:endParaRPr sz="1424" dirty="0"/>
           </a:p>
         </p:txBody>
       </p:sp>
